--- a/docs/diagrams/UndoRedoNewCommand4StateListDiagram.pptx
+++ b/docs/diagrams/UndoRedoNewCommand4StateListDiagram.pptx
@@ -112,10 +112,6 @@
 </p:presentation>
 </file>
 
-<file path=ppt/revisionInfo.xml><?xml version="1.0" encoding="utf-8"?>
-<p1510:revInfo xmlns:a="http://schemas.openxmlformats.org/drawingml/2006/main" xmlns:r="http://schemas.openxmlformats.org/officeDocument/2006/relationships" xmlns:p1510="http://schemas.microsoft.com/office/powerpoint/2015/10/main"/>
-</file>
-
 <file path=ppt/slideLayouts/slideLayout1.xml><?xml version="1.0" encoding="utf-8"?>
 <p:sldLayout xmlns:a="http://schemas.openxmlformats.org/drawingml/2006/main" xmlns:r="http://schemas.openxmlformats.org/officeDocument/2006/relationships" xmlns:p="http://schemas.openxmlformats.org/presentationml/2006/main" type="title" preserve="1">
   <p:cSld name="Title Slide">
@@ -265,7 +261,7 @@
           <a:p>
             <a:fld id="{03EC4E3E-8101-482F-A883-8B55DAFF7C07}" type="datetimeFigureOut">
               <a:rPr lang="en-SG" smtClean="0"/>
-              <a:t>6/7/2018</a:t>
+              <a:t>11/11/18</a:t>
             </a:fld>
             <a:endParaRPr lang="en-SG"/>
           </a:p>
@@ -465,7 +461,7 @@
           <a:p>
             <a:fld id="{03EC4E3E-8101-482F-A883-8B55DAFF7C07}" type="datetimeFigureOut">
               <a:rPr lang="en-SG" smtClean="0"/>
-              <a:t>6/7/2018</a:t>
+              <a:t>11/11/18</a:t>
             </a:fld>
             <a:endParaRPr lang="en-SG"/>
           </a:p>
@@ -675,7 +671,7 @@
           <a:p>
             <a:fld id="{03EC4E3E-8101-482F-A883-8B55DAFF7C07}" type="datetimeFigureOut">
               <a:rPr lang="en-SG" smtClean="0"/>
-              <a:t>6/7/2018</a:t>
+              <a:t>11/11/18</a:t>
             </a:fld>
             <a:endParaRPr lang="en-SG"/>
           </a:p>
@@ -875,7 +871,7 @@
           <a:p>
             <a:fld id="{03EC4E3E-8101-482F-A883-8B55DAFF7C07}" type="datetimeFigureOut">
               <a:rPr lang="en-SG" smtClean="0"/>
-              <a:t>6/7/2018</a:t>
+              <a:t>11/11/18</a:t>
             </a:fld>
             <a:endParaRPr lang="en-SG"/>
           </a:p>
@@ -1151,7 +1147,7 @@
           <a:p>
             <a:fld id="{03EC4E3E-8101-482F-A883-8B55DAFF7C07}" type="datetimeFigureOut">
               <a:rPr lang="en-SG" smtClean="0"/>
-              <a:t>6/7/2018</a:t>
+              <a:t>11/11/18</a:t>
             </a:fld>
             <a:endParaRPr lang="en-SG"/>
           </a:p>
@@ -1419,7 +1415,7 @@
           <a:p>
             <a:fld id="{03EC4E3E-8101-482F-A883-8B55DAFF7C07}" type="datetimeFigureOut">
               <a:rPr lang="en-SG" smtClean="0"/>
-              <a:t>6/7/2018</a:t>
+              <a:t>11/11/18</a:t>
             </a:fld>
             <a:endParaRPr lang="en-SG"/>
           </a:p>
@@ -1834,7 +1830,7 @@
           <a:p>
             <a:fld id="{03EC4E3E-8101-482F-A883-8B55DAFF7C07}" type="datetimeFigureOut">
               <a:rPr lang="en-SG" smtClean="0"/>
-              <a:t>6/7/2018</a:t>
+              <a:t>11/11/18</a:t>
             </a:fld>
             <a:endParaRPr lang="en-SG"/>
           </a:p>
@@ -1976,7 +1972,7 @@
           <a:p>
             <a:fld id="{03EC4E3E-8101-482F-A883-8B55DAFF7C07}" type="datetimeFigureOut">
               <a:rPr lang="en-SG" smtClean="0"/>
-              <a:t>6/7/2018</a:t>
+              <a:t>11/11/18</a:t>
             </a:fld>
             <a:endParaRPr lang="en-SG"/>
           </a:p>
@@ -2089,7 +2085,7 @@
           <a:p>
             <a:fld id="{03EC4E3E-8101-482F-A883-8B55DAFF7C07}" type="datetimeFigureOut">
               <a:rPr lang="en-SG" smtClean="0"/>
-              <a:t>6/7/2018</a:t>
+              <a:t>11/11/18</a:t>
             </a:fld>
             <a:endParaRPr lang="en-SG"/>
           </a:p>
@@ -2402,7 +2398,7 @@
           <a:p>
             <a:fld id="{03EC4E3E-8101-482F-A883-8B55DAFF7C07}" type="datetimeFigureOut">
               <a:rPr lang="en-SG" smtClean="0"/>
-              <a:t>6/7/2018</a:t>
+              <a:t>11/11/18</a:t>
             </a:fld>
             <a:endParaRPr lang="en-SG"/>
           </a:p>
@@ -2691,7 +2687,7 @@
           <a:p>
             <a:fld id="{03EC4E3E-8101-482F-A883-8B55DAFF7C07}" type="datetimeFigureOut">
               <a:rPr lang="en-SG" smtClean="0"/>
-              <a:t>6/7/2018</a:t>
+              <a:t>11/11/18</a:t>
             </a:fld>
             <a:endParaRPr lang="en-SG"/>
           </a:p>
@@ -2934,7 +2930,7 @@
           <a:p>
             <a:fld id="{03EC4E3E-8101-482F-A883-8B55DAFF7C07}" type="datetimeFigureOut">
               <a:rPr lang="en-SG" smtClean="0"/>
-              <a:t>6/7/2018</a:t>
+              <a:t>11/11/18</a:t>
             </a:fld>
             <a:endParaRPr lang="en-SG"/>
           </a:p>
@@ -3474,7 +3470,7 @@
         </p:nvSpPr>
         <p:spPr>
           <a:xfrm>
-            <a:off x="1844917" y="2745771"/>
+            <a:off x="1400778" y="2745771"/>
             <a:ext cx="3207000" cy="369332"/>
           </a:xfrm>
           <a:prstGeom prst="rect">
@@ -3564,7 +3560,7 @@
         </p:nvSpPr>
         <p:spPr>
           <a:xfrm>
-            <a:off x="3952597" y="5155963"/>
+            <a:off x="3077383" y="5155963"/>
             <a:ext cx="3207000" cy="369332"/>
           </a:xfrm>
           <a:prstGeom prst="rect">
@@ -3655,14 +3651,14 @@
           <p:nvPr>
             <p:extLst>
               <p:ext uri="{D42A27DB-BD31-4B8C-83A1-F6EECF244321}">
-                <p14:modId xmlns:p14="http://schemas.microsoft.com/office/powerpoint/2010/main" val="1352982134"/>
+                <p14:modId xmlns:p14="http://schemas.microsoft.com/office/powerpoint/2010/main" val="825538637"/>
               </p:ext>
             </p:extLst>
           </p:nvPr>
         </p:nvGraphicFramePr>
         <p:xfrm>
-          <a:off x="473240" y="1476102"/>
-          <a:ext cx="1825824" cy="417888"/>
+          <a:off x="700267" y="1476102"/>
+          <a:ext cx="1371768" cy="417888"/>
         </p:xfrm>
         <a:graphic>
           <a:graphicData uri="http://schemas.openxmlformats.org/drawingml/2006/table">
@@ -3671,7 +3667,7 @@
                 <a:tableStyleId>{638B1855-1B75-4FBE-930C-398BA8C253C6}</a:tableStyleId>
               </a:tblPr>
               <a:tblGrid>
-                <a:gridCol w="1825824">
+                <a:gridCol w="1371768">
                   <a:extLst>
                     <a:ext uri="{9D8B030D-6E8A-4147-A177-3AD203B41FA5}">
                       <a16:colId xmlns:a16="http://schemas.microsoft.com/office/drawing/2014/main" val="4240773277"/>
@@ -3685,18 +3681,30 @@
                     <a:bodyPr/>
                     <a:lstStyle/>
                     <a:p>
+                      <a:pPr marL="0" marR="0" indent="0" algn="l" defTabSz="914400" rtl="0" eaLnBrk="1" fontAlgn="auto" latinLnBrk="0" hangingPunct="1">
+                        <a:lnSpc>
+                          <a:spcPct val="100000"/>
+                        </a:lnSpc>
+                        <a:spcBef>
+                          <a:spcPts val="0"/>
+                        </a:spcBef>
+                        <a:spcAft>
+                          <a:spcPts val="0"/>
+                        </a:spcAft>
+                        <a:buClrTx/>
+                        <a:buSzTx/>
+                        <a:buFontTx/>
+                        <a:buNone/>
+                        <a:tabLst/>
+                        <a:defRPr/>
+                      </a:pPr>
                       <a:r>
                         <a:rPr lang="en-SG" u="sng" dirty="0"/>
-                        <a:t>ab0:</a:t>
+                        <a:t>ab0:Ssenisub</a:t>
                       </a:r>
-                      <a:r>
-                        <a:rPr lang="en-SG" sz="1800" u="sng" dirty="0"/>
-                        <a:t>AddressBook</a:t>
-                      </a:r>
-                      <a:endParaRPr lang="en-SG" u="sng" dirty="0"/>
                     </a:p>
                   </a:txBody>
-                  <a:tcPr/>
+                  <a:tcPr marL="68701" marR="68701"/>
                 </a:tc>
                 <a:extLst>
                   <a:ext uri="{0D108BD9-81ED-4DB2-BD59-A6C34878D82A}">
@@ -3723,14 +3731,14 @@
           <p:nvPr>
             <p:extLst>
               <p:ext uri="{D42A27DB-BD31-4B8C-83A1-F6EECF244321}">
-                <p14:modId xmlns:p14="http://schemas.microsoft.com/office/powerpoint/2010/main" val="829193732"/>
+                <p14:modId xmlns:p14="http://schemas.microsoft.com/office/powerpoint/2010/main" val="2867060809"/>
               </p:ext>
             </p:extLst>
           </p:nvPr>
         </p:nvGraphicFramePr>
         <p:xfrm>
-          <a:off x="2440458" y="1476102"/>
-          <a:ext cx="1825824" cy="417888"/>
+          <a:off x="2223346" y="1476102"/>
+          <a:ext cx="1371768" cy="417888"/>
         </p:xfrm>
         <a:graphic>
           <a:graphicData uri="http://schemas.openxmlformats.org/drawingml/2006/table">
@@ -3739,7 +3747,7 @@
                 <a:tableStyleId>{638B1855-1B75-4FBE-930C-398BA8C253C6}</a:tableStyleId>
               </a:tblPr>
               <a:tblGrid>
-                <a:gridCol w="1825824">
+                <a:gridCol w="1371768">
                   <a:extLst>
                     <a:ext uri="{9D8B030D-6E8A-4147-A177-3AD203B41FA5}">
                       <a16:colId xmlns:a16="http://schemas.microsoft.com/office/drawing/2014/main" val="4240773277"/>
@@ -3753,18 +3761,30 @@
                     <a:bodyPr/>
                     <a:lstStyle/>
                     <a:p>
+                      <a:pPr marL="0" marR="0" indent="0" algn="l" defTabSz="914400" rtl="0" eaLnBrk="1" fontAlgn="auto" latinLnBrk="0" hangingPunct="1">
+                        <a:lnSpc>
+                          <a:spcPct val="100000"/>
+                        </a:lnSpc>
+                        <a:spcBef>
+                          <a:spcPts val="0"/>
+                        </a:spcBef>
+                        <a:spcAft>
+                          <a:spcPts val="0"/>
+                        </a:spcAft>
+                        <a:buClrTx/>
+                        <a:buSzTx/>
+                        <a:buFontTx/>
+                        <a:buNone/>
+                        <a:tabLst/>
+                        <a:defRPr/>
+                      </a:pPr>
                       <a:r>
                         <a:rPr lang="en-SG" u="sng" dirty="0"/>
-                        <a:t>ab1:</a:t>
+                        <a:t>ab1:Ssenisub</a:t>
                       </a:r>
-                      <a:r>
-                        <a:rPr lang="en-SG" sz="1800" u="sng" dirty="0"/>
-                        <a:t>AddressBook</a:t>
-                      </a:r>
-                      <a:endParaRPr lang="en-SG" u="sng" dirty="0"/>
                     </a:p>
                   </a:txBody>
-                  <a:tcPr/>
+                  <a:tcPr marL="68701" marR="68701"/>
                 </a:tc>
                 <a:extLst>
                   <a:ext uri="{0D108BD9-81ED-4DB2-BD59-A6C34878D82A}">
@@ -3791,14 +3811,14 @@
           <p:nvPr>
             <p:extLst>
               <p:ext uri="{D42A27DB-BD31-4B8C-83A1-F6EECF244321}">
-                <p14:modId xmlns:p14="http://schemas.microsoft.com/office/powerpoint/2010/main" val="796708048"/>
+                <p14:modId xmlns:p14="http://schemas.microsoft.com/office/powerpoint/2010/main" val="1864756604"/>
               </p:ext>
             </p:extLst>
           </p:nvPr>
         </p:nvGraphicFramePr>
         <p:xfrm>
-          <a:off x="4409785" y="1476102"/>
-          <a:ext cx="1825824" cy="417888"/>
+          <a:off x="3761598" y="1476102"/>
+          <a:ext cx="1371768" cy="417888"/>
         </p:xfrm>
         <a:graphic>
           <a:graphicData uri="http://schemas.openxmlformats.org/drawingml/2006/table">
@@ -3807,7 +3827,7 @@
                 <a:tableStyleId>{638B1855-1B75-4FBE-930C-398BA8C253C6}</a:tableStyleId>
               </a:tblPr>
               <a:tblGrid>
-                <a:gridCol w="1825824">
+                <a:gridCol w="1371768">
                   <a:extLst>
                     <a:ext uri="{9D8B030D-6E8A-4147-A177-3AD203B41FA5}">
                       <a16:colId xmlns:a16="http://schemas.microsoft.com/office/drawing/2014/main" val="4240773277"/>
@@ -3821,18 +3841,30 @@
                     <a:bodyPr/>
                     <a:lstStyle/>
                     <a:p>
+                      <a:pPr marL="0" marR="0" indent="0" algn="l" defTabSz="914400" rtl="0" eaLnBrk="1" fontAlgn="auto" latinLnBrk="0" hangingPunct="1">
+                        <a:lnSpc>
+                          <a:spcPct val="100000"/>
+                        </a:lnSpc>
+                        <a:spcBef>
+                          <a:spcPts val="0"/>
+                        </a:spcBef>
+                        <a:spcAft>
+                          <a:spcPts val="0"/>
+                        </a:spcAft>
+                        <a:buClrTx/>
+                        <a:buSzTx/>
+                        <a:buFontTx/>
+                        <a:buNone/>
+                        <a:tabLst/>
+                        <a:defRPr/>
+                      </a:pPr>
                       <a:r>
                         <a:rPr lang="en-SG" u="sng" dirty="0"/>
-                        <a:t>ab2:</a:t>
+                        <a:t>ab2:Ssenisub</a:t>
                       </a:r>
-                      <a:r>
-                        <a:rPr lang="en-SG" sz="1800" u="sng" dirty="0"/>
-                        <a:t>AddressBook</a:t>
-                      </a:r>
-                      <a:endParaRPr lang="en-SG" u="sng" dirty="0"/>
                     </a:p>
                   </a:txBody>
-                  <a:tcPr/>
+                  <a:tcPr marL="68701" marR="68701"/>
                 </a:tc>
                 <a:extLst>
                   <a:ext uri="{0D108BD9-81ED-4DB2-BD59-A6C34878D82A}">
@@ -3859,14 +3891,14 @@
           <p:nvPr>
             <p:extLst>
               <p:ext uri="{D42A27DB-BD31-4B8C-83A1-F6EECF244321}">
-                <p14:modId xmlns:p14="http://schemas.microsoft.com/office/powerpoint/2010/main" val="377617300"/>
+                <p14:modId xmlns:p14="http://schemas.microsoft.com/office/powerpoint/2010/main" val="3378823583"/>
               </p:ext>
             </p:extLst>
           </p:nvPr>
         </p:nvGraphicFramePr>
         <p:xfrm>
-          <a:off x="473240" y="3919947"/>
-          <a:ext cx="1825824" cy="417888"/>
+          <a:off x="700267" y="3919947"/>
+          <a:ext cx="1371768" cy="417888"/>
         </p:xfrm>
         <a:graphic>
           <a:graphicData uri="http://schemas.openxmlformats.org/drawingml/2006/table">
@@ -3875,7 +3907,7 @@
                 <a:tableStyleId>{638B1855-1B75-4FBE-930C-398BA8C253C6}</a:tableStyleId>
               </a:tblPr>
               <a:tblGrid>
-                <a:gridCol w="1825824">
+                <a:gridCol w="1371768">
                   <a:extLst>
                     <a:ext uri="{9D8B030D-6E8A-4147-A177-3AD203B41FA5}">
                       <a16:colId xmlns:a16="http://schemas.microsoft.com/office/drawing/2014/main" val="4240773277"/>
@@ -3889,18 +3921,30 @@
                     <a:bodyPr/>
                     <a:lstStyle/>
                     <a:p>
+                      <a:pPr marL="0" marR="0" indent="0" algn="l" defTabSz="914400" rtl="0" eaLnBrk="1" fontAlgn="auto" latinLnBrk="0" hangingPunct="1">
+                        <a:lnSpc>
+                          <a:spcPct val="100000"/>
+                        </a:lnSpc>
+                        <a:spcBef>
+                          <a:spcPts val="0"/>
+                        </a:spcBef>
+                        <a:spcAft>
+                          <a:spcPts val="0"/>
+                        </a:spcAft>
+                        <a:buClrTx/>
+                        <a:buSzTx/>
+                        <a:buFontTx/>
+                        <a:buNone/>
+                        <a:tabLst/>
+                        <a:defRPr/>
+                      </a:pPr>
                       <a:r>
                         <a:rPr lang="en-SG" u="sng" dirty="0"/>
-                        <a:t>ab0:</a:t>
+                        <a:t>ab0:Ssenisub</a:t>
                       </a:r>
-                      <a:r>
-                        <a:rPr lang="en-SG" sz="1800" u="sng" dirty="0"/>
-                        <a:t>AddressBook</a:t>
-                      </a:r>
-                      <a:endParaRPr lang="en-SG" u="sng" dirty="0"/>
                     </a:p>
                   </a:txBody>
-                  <a:tcPr/>
+                  <a:tcPr marL="68701" marR="68701"/>
                 </a:tc>
                 <a:extLst>
                   <a:ext uri="{0D108BD9-81ED-4DB2-BD59-A6C34878D82A}">
@@ -3927,14 +3971,14 @@
           <p:nvPr>
             <p:extLst>
               <p:ext uri="{D42A27DB-BD31-4B8C-83A1-F6EECF244321}">
-                <p14:modId xmlns:p14="http://schemas.microsoft.com/office/powerpoint/2010/main" val="4076322253"/>
+                <p14:modId xmlns:p14="http://schemas.microsoft.com/office/powerpoint/2010/main" val="1065119351"/>
               </p:ext>
             </p:extLst>
           </p:nvPr>
         </p:nvGraphicFramePr>
         <p:xfrm>
-          <a:off x="2440458" y="3919947"/>
-          <a:ext cx="1825824" cy="417888"/>
+          <a:off x="2223346" y="3919947"/>
+          <a:ext cx="1371768" cy="417888"/>
         </p:xfrm>
         <a:graphic>
           <a:graphicData uri="http://schemas.openxmlformats.org/drawingml/2006/table">
@@ -3943,7 +3987,7 @@
                 <a:tableStyleId>{638B1855-1B75-4FBE-930C-398BA8C253C6}</a:tableStyleId>
               </a:tblPr>
               <a:tblGrid>
-                <a:gridCol w="1825824">
+                <a:gridCol w="1371768">
                   <a:extLst>
                     <a:ext uri="{9D8B030D-6E8A-4147-A177-3AD203B41FA5}">
                       <a16:colId xmlns:a16="http://schemas.microsoft.com/office/drawing/2014/main" val="4240773277"/>
@@ -3957,18 +4001,30 @@
                     <a:bodyPr/>
                     <a:lstStyle/>
                     <a:p>
+                      <a:pPr marL="0" marR="0" indent="0" algn="l" defTabSz="914400" rtl="0" eaLnBrk="1" fontAlgn="auto" latinLnBrk="0" hangingPunct="1">
+                        <a:lnSpc>
+                          <a:spcPct val="100000"/>
+                        </a:lnSpc>
+                        <a:spcBef>
+                          <a:spcPts val="0"/>
+                        </a:spcBef>
+                        <a:spcAft>
+                          <a:spcPts val="0"/>
+                        </a:spcAft>
+                        <a:buClrTx/>
+                        <a:buSzTx/>
+                        <a:buFontTx/>
+                        <a:buNone/>
+                        <a:tabLst/>
+                        <a:defRPr/>
+                      </a:pPr>
                       <a:r>
                         <a:rPr lang="en-SG" u="sng" dirty="0"/>
-                        <a:t>ab1:</a:t>
+                        <a:t>ab1:Ssenisub</a:t>
                       </a:r>
-                      <a:r>
-                        <a:rPr lang="en-SG" sz="1800" u="sng" dirty="0"/>
-                        <a:t>AddressBook</a:t>
-                      </a:r>
-                      <a:endParaRPr lang="en-SG" u="sng" dirty="0"/>
                     </a:p>
                   </a:txBody>
-                  <a:tcPr/>
+                  <a:tcPr marL="68701" marR="68701"/>
                 </a:tc>
                 <a:extLst>
                   <a:ext uri="{0D108BD9-81ED-4DB2-BD59-A6C34878D82A}">
@@ -3995,14 +4051,14 @@
           <p:nvPr>
             <p:extLst>
               <p:ext uri="{D42A27DB-BD31-4B8C-83A1-F6EECF244321}">
-                <p14:modId xmlns:p14="http://schemas.microsoft.com/office/powerpoint/2010/main" val="53411958"/>
+                <p14:modId xmlns:p14="http://schemas.microsoft.com/office/powerpoint/2010/main" val="123686745"/>
               </p:ext>
             </p:extLst>
           </p:nvPr>
         </p:nvGraphicFramePr>
         <p:xfrm>
-          <a:off x="4409785" y="3919947"/>
-          <a:ext cx="1825824" cy="417888"/>
+          <a:off x="3761598" y="3919947"/>
+          <a:ext cx="1371768" cy="417888"/>
         </p:xfrm>
         <a:graphic>
           <a:graphicData uri="http://schemas.openxmlformats.org/drawingml/2006/table">
@@ -4011,7 +4067,7 @@
                 <a:tableStyleId>{638B1855-1B75-4FBE-930C-398BA8C253C6}</a:tableStyleId>
               </a:tblPr>
               <a:tblGrid>
-                <a:gridCol w="1825824">
+                <a:gridCol w="1371768">
                   <a:extLst>
                     <a:ext uri="{9D8B030D-6E8A-4147-A177-3AD203B41FA5}">
                       <a16:colId xmlns:a16="http://schemas.microsoft.com/office/drawing/2014/main" val="4240773277"/>
@@ -4025,18 +4081,30 @@
                     <a:bodyPr/>
                     <a:lstStyle/>
                     <a:p>
+                      <a:pPr marL="0" marR="0" indent="0" algn="l" defTabSz="914400" rtl="0" eaLnBrk="1" fontAlgn="auto" latinLnBrk="0" hangingPunct="1">
+                        <a:lnSpc>
+                          <a:spcPct val="100000"/>
+                        </a:lnSpc>
+                        <a:spcBef>
+                          <a:spcPts val="0"/>
+                        </a:spcBef>
+                        <a:spcAft>
+                          <a:spcPts val="0"/>
+                        </a:spcAft>
+                        <a:buClrTx/>
+                        <a:buSzTx/>
+                        <a:buFontTx/>
+                        <a:buNone/>
+                        <a:tabLst/>
+                        <a:defRPr/>
+                      </a:pPr>
                       <a:r>
                         <a:rPr lang="en-SG" u="sng" dirty="0"/>
-                        <a:t>ab3:</a:t>
+                        <a:t>ab3:Ssenisub</a:t>
                       </a:r>
-                      <a:r>
-                        <a:rPr lang="en-SG" sz="1800" u="sng" dirty="0"/>
-                        <a:t>AddressBook</a:t>
-                      </a:r>
-                      <a:endParaRPr lang="en-SG" u="sng" dirty="0"/>
                     </a:p>
                   </a:txBody>
-                  <a:tcPr/>
+                  <a:tcPr marL="68701" marR="68701"/>
                 </a:tc>
                 <a:extLst>
                   <a:ext uri="{0D108BD9-81ED-4DB2-BD59-A6C34878D82A}">
@@ -4064,7 +4132,7 @@
         </p:nvCxnSpPr>
         <p:spPr>
           <a:xfrm flipV="1">
-            <a:off x="3338818" y="2038898"/>
+            <a:off x="2894679" y="2038898"/>
             <a:ext cx="0" cy="706873"/>
           </a:xfrm>
           <a:prstGeom prst="straightConnector1">
@@ -4108,7 +4176,7 @@
         </p:nvCxnSpPr>
         <p:spPr>
           <a:xfrm flipV="1">
-            <a:off x="5385732" y="4471595"/>
+            <a:off x="4510518" y="4471595"/>
             <a:ext cx="0" cy="706873"/>
           </a:xfrm>
           <a:prstGeom prst="straightConnector1">
